--- a/1_Introduction_to_Statistics/1_Intro_to_stats.pptx
+++ b/1_Introduction_to_Statistics/1_Intro_to_stats.pptx
@@ -215,7 +215,7 @@
           <a:p>
             <a:fld id="{E703D2C2-2178-7344-A685-AB8041FBE404}" type="datetimeFigureOut">
               <a:rPr lang="en-US" smtClean="0"/>
-              <a:t>9/19/19</a:t>
+              <a:t>10/24/19</a:t>
             </a:fld>
             <a:endParaRPr lang="en-US"/>
           </a:p>
@@ -1410,7 +1410,7 @@
           <a:p>
             <a:fld id="{6BFECD78-3C8E-49F2-8FAB-59489D168ABB}" type="datetimeFigureOut">
               <a:rPr lang="en-US" smtClean="0"/>
-              <a:t>9/19/19</a:t>
+              <a:t>10/24/19</a:t>
             </a:fld>
             <a:endParaRPr lang="en-US"/>
           </a:p>
@@ -1580,7 +1580,7 @@
           <a:p>
             <a:fld id="{6BFECD78-3C8E-49F2-8FAB-59489D168ABB}" type="datetimeFigureOut">
               <a:rPr lang="en-US" smtClean="0"/>
-              <a:t>9/19/19</a:t>
+              <a:t>10/24/19</a:t>
             </a:fld>
             <a:endParaRPr lang="en-US"/>
           </a:p>
@@ -1760,7 +1760,7 @@
           <a:p>
             <a:fld id="{6BFECD78-3C8E-49F2-8FAB-59489D168ABB}" type="datetimeFigureOut">
               <a:rPr lang="en-US" smtClean="0"/>
-              <a:t>9/19/19</a:t>
+              <a:t>10/24/19</a:t>
             </a:fld>
             <a:endParaRPr lang="en-US"/>
           </a:p>
@@ -1930,7 +1930,7 @@
           <a:p>
             <a:fld id="{6BFECD78-3C8E-49F2-8FAB-59489D168ABB}" type="datetimeFigureOut">
               <a:rPr lang="en-US" smtClean="0"/>
-              <a:t>9/19/19</a:t>
+              <a:t>10/24/19</a:t>
             </a:fld>
             <a:endParaRPr lang="en-US"/>
           </a:p>
@@ -2176,7 +2176,7 @@
           <a:p>
             <a:fld id="{6BFECD78-3C8E-49F2-8FAB-59489D168ABB}" type="datetimeFigureOut">
               <a:rPr lang="en-US" smtClean="0"/>
-              <a:t>9/19/19</a:t>
+              <a:t>10/24/19</a:t>
             </a:fld>
             <a:endParaRPr lang="en-US"/>
           </a:p>
@@ -2464,7 +2464,7 @@
           <a:p>
             <a:fld id="{6BFECD78-3C8E-49F2-8FAB-59489D168ABB}" type="datetimeFigureOut">
               <a:rPr lang="en-US" smtClean="0"/>
-              <a:t>9/19/19</a:t>
+              <a:t>10/24/19</a:t>
             </a:fld>
             <a:endParaRPr lang="en-US"/>
           </a:p>
@@ -2886,7 +2886,7 @@
           <a:p>
             <a:fld id="{6BFECD78-3C8E-49F2-8FAB-59489D168ABB}" type="datetimeFigureOut">
               <a:rPr lang="en-US" smtClean="0"/>
-              <a:t>9/19/19</a:t>
+              <a:t>10/24/19</a:t>
             </a:fld>
             <a:endParaRPr lang="en-US"/>
           </a:p>
@@ -3004,7 +3004,7 @@
           <a:p>
             <a:fld id="{6BFECD78-3C8E-49F2-8FAB-59489D168ABB}" type="datetimeFigureOut">
               <a:rPr lang="en-US" smtClean="0"/>
-              <a:t>9/19/19</a:t>
+              <a:t>10/24/19</a:t>
             </a:fld>
             <a:endParaRPr lang="en-US"/>
           </a:p>
@@ -3099,7 +3099,7 @@
           <a:p>
             <a:fld id="{6BFECD78-3C8E-49F2-8FAB-59489D168ABB}" type="datetimeFigureOut">
               <a:rPr lang="en-US" smtClean="0"/>
-              <a:t>9/19/19</a:t>
+              <a:t>10/24/19</a:t>
             </a:fld>
             <a:endParaRPr lang="en-US"/>
           </a:p>
@@ -3376,7 +3376,7 @@
           <a:p>
             <a:fld id="{6BFECD78-3C8E-49F2-8FAB-59489D168ABB}" type="datetimeFigureOut">
               <a:rPr lang="en-US" smtClean="0"/>
-              <a:t>9/19/19</a:t>
+              <a:t>10/24/19</a:t>
             </a:fld>
             <a:endParaRPr lang="en-US"/>
           </a:p>
@@ -3633,7 +3633,7 @@
           <a:p>
             <a:fld id="{6BFECD78-3C8E-49F2-8FAB-59489D168ABB}" type="datetimeFigureOut">
               <a:rPr lang="en-US" smtClean="0"/>
-              <a:t>9/19/19</a:t>
+              <a:t>10/24/19</a:t>
             </a:fld>
             <a:endParaRPr lang="en-US"/>
           </a:p>
@@ -3846,7 +3846,7 @@
           <a:p>
             <a:fld id="{6BFECD78-3C8E-49F2-8FAB-59489D168ABB}" type="datetimeFigureOut">
               <a:rPr lang="en-US" smtClean="0"/>
-              <a:t>9/19/19</a:t>
+              <a:t>10/24/19</a:t>
             </a:fld>
             <a:endParaRPr lang="en-US"/>
           </a:p>
@@ -4268,8 +4268,8 @@
         </p:nvSpPr>
         <p:spPr>
           <a:xfrm>
-            <a:off x="685800" y="505020"/>
-            <a:ext cx="7772400" cy="1470025"/>
+            <a:off x="0" y="0"/>
+            <a:ext cx="9144000" cy="1470025"/>
           </a:xfrm>
         </p:spPr>
         <p:txBody>
@@ -4278,7 +4278,7 @@
           <a:p>
             <a:r>
               <a:rPr lang="en-US" dirty="0"/>
-              <a:t>Introduction to Statistics	</a:t>
+              <a:t>Introduction to Statistics – Day 1</a:t>
             </a:r>
           </a:p>
         </p:txBody>
@@ -4295,8 +4295,8 @@
         </p:nvSpPr>
         <p:spPr>
           <a:xfrm>
-            <a:off x="1371600" y="2260795"/>
-            <a:ext cx="6400800" cy="695239"/>
+            <a:off x="0" y="1470025"/>
+            <a:ext cx="9088821" cy="2652658"/>
           </a:xfrm>
         </p:spPr>
         <p:txBody>
@@ -4305,11 +4305,25 @@
           <a:p>
             <a:r>
               <a:rPr lang="en-US" dirty="0"/>
-              <a:t>GMS </a:t>
-            </a:r>
-          </a:p>
-          <a:p>
+              <a:t>GMS Statistics </a:t>
+            </a:r>
+            <a:r>
+              <a:rPr lang="en-US" dirty="0" err="1"/>
+              <a:t>Programme</a:t>
+            </a:r>
             <a:endParaRPr lang="en-US" dirty="0"/>
+          </a:p>
+          <a:p>
+            <a:r>
+              <a:rPr lang="en-US" dirty="0"/>
+              <a:t> </a:t>
+            </a:r>
+          </a:p>
+          <a:p>
+            <a:r>
+              <a:rPr lang="en-US" dirty="0"/>
+              <a:t>Justin Whalley</a:t>
+            </a:r>
           </a:p>
         </p:txBody>
       </p:sp>

--- a/1_Introduction_to_Statistics/1_Intro_to_stats.pptx
+++ b/1_Introduction_to_Statistics/1_Intro_to_stats.pptx
@@ -215,7 +215,7 @@
           <a:p>
             <a:fld id="{E703D2C2-2178-7344-A685-AB8041FBE404}" type="datetimeFigureOut">
               <a:rPr lang="en-US" smtClean="0"/>
-              <a:t>10/24/19</a:t>
+              <a:t>10/25/19</a:t>
             </a:fld>
             <a:endParaRPr lang="en-US"/>
           </a:p>
@@ -1410,7 +1410,7 @@
           <a:p>
             <a:fld id="{6BFECD78-3C8E-49F2-8FAB-59489D168ABB}" type="datetimeFigureOut">
               <a:rPr lang="en-US" smtClean="0"/>
-              <a:t>10/24/19</a:t>
+              <a:t>10/25/19</a:t>
             </a:fld>
             <a:endParaRPr lang="en-US"/>
           </a:p>
@@ -1580,7 +1580,7 @@
           <a:p>
             <a:fld id="{6BFECD78-3C8E-49F2-8FAB-59489D168ABB}" type="datetimeFigureOut">
               <a:rPr lang="en-US" smtClean="0"/>
-              <a:t>10/24/19</a:t>
+              <a:t>10/25/19</a:t>
             </a:fld>
             <a:endParaRPr lang="en-US"/>
           </a:p>
@@ -1760,7 +1760,7 @@
           <a:p>
             <a:fld id="{6BFECD78-3C8E-49F2-8FAB-59489D168ABB}" type="datetimeFigureOut">
               <a:rPr lang="en-US" smtClean="0"/>
-              <a:t>10/24/19</a:t>
+              <a:t>10/25/19</a:t>
             </a:fld>
             <a:endParaRPr lang="en-US"/>
           </a:p>
@@ -1930,7 +1930,7 @@
           <a:p>
             <a:fld id="{6BFECD78-3C8E-49F2-8FAB-59489D168ABB}" type="datetimeFigureOut">
               <a:rPr lang="en-US" smtClean="0"/>
-              <a:t>10/24/19</a:t>
+              <a:t>10/25/19</a:t>
             </a:fld>
             <a:endParaRPr lang="en-US"/>
           </a:p>
@@ -2176,7 +2176,7 @@
           <a:p>
             <a:fld id="{6BFECD78-3C8E-49F2-8FAB-59489D168ABB}" type="datetimeFigureOut">
               <a:rPr lang="en-US" smtClean="0"/>
-              <a:t>10/24/19</a:t>
+              <a:t>10/25/19</a:t>
             </a:fld>
             <a:endParaRPr lang="en-US"/>
           </a:p>
@@ -2464,7 +2464,7 @@
           <a:p>
             <a:fld id="{6BFECD78-3C8E-49F2-8FAB-59489D168ABB}" type="datetimeFigureOut">
               <a:rPr lang="en-US" smtClean="0"/>
-              <a:t>10/24/19</a:t>
+              <a:t>10/25/19</a:t>
             </a:fld>
             <a:endParaRPr lang="en-US"/>
           </a:p>
@@ -2886,7 +2886,7 @@
           <a:p>
             <a:fld id="{6BFECD78-3C8E-49F2-8FAB-59489D168ABB}" type="datetimeFigureOut">
               <a:rPr lang="en-US" smtClean="0"/>
-              <a:t>10/24/19</a:t>
+              <a:t>10/25/19</a:t>
             </a:fld>
             <a:endParaRPr lang="en-US"/>
           </a:p>
@@ -3004,7 +3004,7 @@
           <a:p>
             <a:fld id="{6BFECD78-3C8E-49F2-8FAB-59489D168ABB}" type="datetimeFigureOut">
               <a:rPr lang="en-US" smtClean="0"/>
-              <a:t>10/24/19</a:t>
+              <a:t>10/25/19</a:t>
             </a:fld>
             <a:endParaRPr lang="en-US"/>
           </a:p>
@@ -3099,7 +3099,7 @@
           <a:p>
             <a:fld id="{6BFECD78-3C8E-49F2-8FAB-59489D168ABB}" type="datetimeFigureOut">
               <a:rPr lang="en-US" smtClean="0"/>
-              <a:t>10/24/19</a:t>
+              <a:t>10/25/19</a:t>
             </a:fld>
             <a:endParaRPr lang="en-US"/>
           </a:p>
@@ -3376,7 +3376,7 @@
           <a:p>
             <a:fld id="{6BFECD78-3C8E-49F2-8FAB-59489D168ABB}" type="datetimeFigureOut">
               <a:rPr lang="en-US" smtClean="0"/>
-              <a:t>10/24/19</a:t>
+              <a:t>10/25/19</a:t>
             </a:fld>
             <a:endParaRPr lang="en-US"/>
           </a:p>
@@ -3633,7 +3633,7 @@
           <a:p>
             <a:fld id="{6BFECD78-3C8E-49F2-8FAB-59489D168ABB}" type="datetimeFigureOut">
               <a:rPr lang="en-US" smtClean="0"/>
-              <a:t>10/24/19</a:t>
+              <a:t>10/25/19</a:t>
             </a:fld>
             <a:endParaRPr lang="en-US"/>
           </a:p>
@@ -3846,7 +3846,7 @@
           <a:p>
             <a:fld id="{6BFECD78-3C8E-49F2-8FAB-59489D168ABB}" type="datetimeFigureOut">
               <a:rPr lang="en-US" smtClean="0"/>
-              <a:t>10/24/19</a:t>
+              <a:t>10/25/19</a:t>
             </a:fld>
             <a:endParaRPr lang="en-US"/>
           </a:p>
@@ -4598,7 +4598,7 @@
         <p:spPr>
           <a:xfrm>
             <a:off x="0" y="2122197"/>
-            <a:ext cx="9144000" cy="707886"/>
+            <a:ext cx="9144000" cy="1938992"/>
           </a:xfrm>
           <a:prstGeom prst="rect">
             <a:avLst/>
@@ -4619,17 +4619,16 @@
                 </a:solidFill>
                 <a:hlinkClick r:id="rId3"/>
               </a:rPr>
-              <a:t>https://github.com/</a:t>
-            </a:r>
-            <a:r>
-              <a:rPr lang="en-US" sz="4000" dirty="0" err="1">
-                <a:solidFill>
-                  <a:srgbClr val="FFFFFF"/>
-                </a:solidFill>
-                <a:hlinkClick r:id="rId3"/>
-              </a:rPr>
-              <a:t>jpwhalley</a:t>
-            </a:r>
+              <a:t>https://github.com/jpwhalley/GMS_Stats_Course</a:t>
+            </a:r>
+            <a:endParaRPr lang="en-US" sz="4000" dirty="0">
+              <a:solidFill>
+                <a:srgbClr val="FFFFFF"/>
+              </a:solidFill>
+            </a:endParaRPr>
+          </a:p>
+          <a:p>
+            <a:pPr algn="ctr"/>
             <a:endParaRPr lang="en-US" sz="4000" dirty="0">
               <a:solidFill>
                 <a:srgbClr val="FFFFFF"/>
@@ -4706,7 +4705,7 @@
           <a:noFill/>
           <a:extLst>
             <a:ext uri="{909E8E84-426E-40dd-AFC4-6F175D3DCCD1}">
-              <a14:hiddenFill xmlns:a14="http://schemas.microsoft.com/office/drawing/2010/main" xmlns="">
+              <a14:hiddenFill xmlns="" xmlns:a14="http://schemas.microsoft.com/office/drawing/2010/main">
                 <a:solidFill>
                   <a:srgbClr val="FFFFFF"/>
                 </a:solidFill>
@@ -4783,7 +4782,7 @@
           <a:noFill/>
           <a:extLst>
             <a:ext uri="{909E8E84-426E-40dd-AFC4-6F175D3DCCD1}">
-              <a14:hiddenFill xmlns:a14="http://schemas.microsoft.com/office/drawing/2010/main" xmlns="">
+              <a14:hiddenFill xmlns="" xmlns:a14="http://schemas.microsoft.com/office/drawing/2010/main">
                 <a:solidFill>
                   <a:srgbClr val="FFFFFF"/>
                 </a:solidFill>
@@ -4830,7 +4829,7 @@
           <a:noFill/>
           <a:extLst>
             <a:ext uri="{909E8E84-426E-40dd-AFC4-6F175D3DCCD1}">
-              <a14:hiddenFill xmlns:a14="http://schemas.microsoft.com/office/drawing/2010/main" xmlns="">
+              <a14:hiddenFill xmlns="" xmlns:a14="http://schemas.microsoft.com/office/drawing/2010/main">
                 <a:solidFill>
                   <a:srgbClr val="FFFFFF"/>
                 </a:solidFill>
@@ -4877,7 +4876,7 @@
           <a:noFill/>
           <a:extLst>
             <a:ext uri="{909E8E84-426E-40dd-AFC4-6F175D3DCCD1}">
-              <a14:hiddenFill xmlns:a14="http://schemas.microsoft.com/office/drawing/2010/main" xmlns="">
+              <a14:hiddenFill xmlns="" xmlns:a14="http://schemas.microsoft.com/office/drawing/2010/main">
                 <a:solidFill>
                   <a:srgbClr val="FFFFFF"/>
                 </a:solidFill>
@@ -4924,7 +4923,7 @@
           <a:noFill/>
           <a:extLst>
             <a:ext uri="{909E8E84-426E-40dd-AFC4-6F175D3DCCD1}">
-              <a14:hiddenFill xmlns:a14="http://schemas.microsoft.com/office/drawing/2010/main" xmlns="">
+              <a14:hiddenFill xmlns="" xmlns:a14="http://schemas.microsoft.com/office/drawing/2010/main">
                 <a:solidFill>
                   <a:srgbClr val="FFFFFF"/>
                 </a:solidFill>
@@ -4971,7 +4970,7 @@
           <a:noFill/>
           <a:extLst>
             <a:ext uri="{909E8E84-426E-40dd-AFC4-6F175D3DCCD1}">
-              <a14:hiddenFill xmlns:a14="http://schemas.microsoft.com/office/drawing/2010/main" xmlns="">
+              <a14:hiddenFill xmlns="" xmlns:a14="http://schemas.microsoft.com/office/drawing/2010/main">
                 <a:solidFill>
                   <a:srgbClr val="FFFFFF"/>
                 </a:solidFill>
@@ -5048,7 +5047,7 @@
           <a:noFill/>
           <a:extLst>
             <a:ext uri="{909E8E84-426E-40dd-AFC4-6F175D3DCCD1}">
-              <a14:hiddenFill xmlns:a14="http://schemas.microsoft.com/office/drawing/2010/main" xmlns="">
+              <a14:hiddenFill xmlns="" xmlns:a14="http://schemas.microsoft.com/office/drawing/2010/main">
                 <a:solidFill>
                   <a:srgbClr val="FFFFFF"/>
                 </a:solidFill>
@@ -5095,7 +5094,7 @@
           <a:noFill/>
           <a:extLst>
             <a:ext uri="{909E8E84-426E-40dd-AFC4-6F175D3DCCD1}">
-              <a14:hiddenFill xmlns:a14="http://schemas.microsoft.com/office/drawing/2010/main" xmlns="">
+              <a14:hiddenFill xmlns="" xmlns:a14="http://schemas.microsoft.com/office/drawing/2010/main">
                 <a:solidFill>
                   <a:srgbClr val="FFFFFF"/>
                 </a:solidFill>

--- a/1_Introduction_to_Statistics/1_Intro_to_stats.pptx
+++ b/1_Introduction_to_Statistics/1_Intro_to_stats.pptx
@@ -5,7 +5,7 @@
     <p:sldMasterId id="2147483648" r:id="rId1"/>
   </p:sldMasterIdLst>
   <p:notesMasterIdLst>
-    <p:notesMasterId r:id="rId10"/>
+    <p:notesMasterId r:id="rId12"/>
   </p:notesMasterIdLst>
   <p:sldIdLst>
     <p:sldId id="256" r:id="rId2"/>
@@ -13,9 +13,11 @@
     <p:sldId id="258" r:id="rId4"/>
     <p:sldId id="259" r:id="rId5"/>
     <p:sldId id="260" r:id="rId6"/>
-    <p:sldId id="261" r:id="rId7"/>
-    <p:sldId id="262" r:id="rId8"/>
-    <p:sldId id="263" r:id="rId9"/>
+    <p:sldId id="264" r:id="rId7"/>
+    <p:sldId id="265" r:id="rId8"/>
+    <p:sldId id="261" r:id="rId9"/>
+    <p:sldId id="262" r:id="rId10"/>
+    <p:sldId id="263" r:id="rId11"/>
   </p:sldIdLst>
   <p:sldSz cx="9144000" cy="6858000" type="screen4x3"/>
   <p:notesSz cx="6858000" cy="9144000"/>
@@ -215,7 +217,7 @@
           <a:p>
             <a:fld id="{E703D2C2-2178-7344-A685-AB8041FBE404}" type="datetimeFigureOut">
               <a:rPr lang="en-US" smtClean="0"/>
-              <a:t>10/25/19</a:t>
+              <a:t>10/28/19</a:t>
             </a:fld>
             <a:endParaRPr lang="en-US"/>
           </a:p>
@@ -927,8 +929,91 @@
           <a:p>
             <a:r>
               <a:rPr lang="en-US" dirty="0"/>
-              <a:t>Published in the 1950s.</a:t>
-            </a:r>
+              <a:t>https://</a:t>
+            </a:r>
+            <a:r>
+              <a:rPr lang="en-US" dirty="0" err="1"/>
+              <a:t>www.nature.com</a:t>
+            </a:r>
+            <a:r>
+              <a:rPr lang="en-US" dirty="0"/>
+              <a:t>/articles/d41586-019-00857-9</a:t>
+            </a:r>
+          </a:p>
+          <a:p>
+            <a:endParaRPr lang="en-US" dirty="0"/>
+          </a:p>
+          <a:p>
+            <a:pPr rtl="0"/>
+            <a:r>
+              <a:rPr lang="en-GB" sz="1200" b="0" i="0" u="none" strike="noStrike" kern="1200" dirty="0">
+                <a:solidFill>
+                  <a:schemeClr val="tx1"/>
+                </a:solidFill>
+                <a:effectLst/>
+                <a:latin typeface="+mn-lt"/>
+                <a:ea typeface="+mn-ea"/>
+                <a:cs typeface="+mn-cs"/>
+              </a:rPr>
+              <a:t>Bullet points:</a:t>
+            </a:r>
+            <a:endParaRPr lang="en-GB" dirty="0">
+              <a:effectLst/>
+            </a:endParaRPr>
+          </a:p>
+          <a:p>
+            <a:pPr rtl="0" fontAlgn="base"/>
+            <a:r>
+              <a:rPr lang="en-GB" sz="1200" b="0" i="0" u="none" strike="noStrike" kern="1200" dirty="0">
+                <a:solidFill>
+                  <a:schemeClr val="tx1"/>
+                </a:solidFill>
+                <a:effectLst/>
+                <a:latin typeface="+mn-lt"/>
+                <a:ea typeface="+mn-ea"/>
+                <a:cs typeface="+mn-cs"/>
+              </a:rPr>
+              <a:t>Difference is not significant ≠ there is no difference; </a:t>
+            </a:r>
+            <a:r>
+              <a:rPr lang="en-GB" sz="1200" b="0" i="1" u="none" strike="noStrike" kern="1200" dirty="0">
+                <a:solidFill>
+                  <a:schemeClr val="tx1"/>
+                </a:solidFill>
+                <a:effectLst/>
+                <a:latin typeface="+mn-lt"/>
+                <a:ea typeface="+mn-ea"/>
+                <a:cs typeface="+mn-cs"/>
+              </a:rPr>
+              <a:t>“We should never conclude there is ‘no difference’ or ‘no association’ just because a P value is larger than a threshold such as 0.05 or, equivalently, because a confidence interval includes zero.”</a:t>
+            </a:r>
+            <a:endParaRPr lang="en-GB" sz="1200" b="0" i="0" u="none" strike="noStrike" kern="1200" dirty="0">
+              <a:solidFill>
+                <a:schemeClr val="tx1"/>
+              </a:solidFill>
+              <a:effectLst/>
+              <a:latin typeface="+mn-lt"/>
+              <a:ea typeface="+mn-ea"/>
+              <a:cs typeface="+mn-cs"/>
+            </a:endParaRPr>
+          </a:p>
+          <a:p>
+            <a:pPr rtl="0" fontAlgn="base"/>
+            <a:r>
+              <a:rPr lang="en-GB" sz="1200" b="0" i="1" u="none" strike="noStrike" kern="1200" dirty="0">
+                <a:solidFill>
+                  <a:schemeClr val="tx1"/>
+                </a:solidFill>
+                <a:effectLst/>
+                <a:latin typeface="+mn-lt"/>
+                <a:ea typeface="+mn-ea"/>
+                <a:cs typeface="+mn-cs"/>
+              </a:rPr>
+              <a:t>“We agree, and call for the entire concept of statistical significance to be abandoned.”</a:t>
+            </a:r>
+          </a:p>
+          <a:p>
+            <a:endParaRPr lang="en-US" dirty="0"/>
           </a:p>
         </p:txBody>
       </p:sp>
@@ -958,7 +1043,7 @@
     </p:spTree>
     <p:extLst>
       <p:ext uri="{BB962C8B-B14F-4D97-AF65-F5344CB8AC3E}">
-        <p14:creationId xmlns:p14="http://schemas.microsoft.com/office/powerpoint/2010/main" val="2807410774"/>
+        <p14:creationId xmlns:p14="http://schemas.microsoft.com/office/powerpoint/2010/main" val="4254002180"/>
       </p:ext>
     </p:extLst>
   </p:cSld>
@@ -1013,54 +1098,29 @@
           <a:lstStyle/>
           <a:p>
             <a:r>
+              <a:rPr lang="en-US" dirty="0"/>
+              <a:t>https://</a:t>
+            </a:r>
+            <a:r>
               <a:rPr lang="en-US" dirty="0" err="1"/>
-              <a:t>Dr</a:t>
+              <a:t>statmodeling.stat.columbia.edu</a:t>
             </a:r>
             <a:r>
               <a:rPr lang="en-US" dirty="0"/>
-              <a:t> Joseph Banks Rhine of Duke University working under Prof William McDougall formerly of Oxford and Harvard.</a:t>
-            </a:r>
-          </a:p>
-          <a:p>
-            <a:endParaRPr lang="en-US" dirty="0"/>
-          </a:p>
-          <a:p>
+              <a:t>/</a:t>
+            </a:r>
+            <a:r>
+              <a:rPr lang="en-US" dirty="0" err="1"/>
+              <a:t>wp</a:t>
+            </a:r>
             <a:r>
               <a:rPr lang="en-US" dirty="0"/>
-              <a:t>Published articles and books on Extra Sensory Perception – proven beyond all reasonable doubt by means of several million tests.</a:t>
-            </a:r>
-          </a:p>
-          <a:p>
-            <a:endParaRPr lang="en-US" dirty="0"/>
-          </a:p>
-          <a:p>
-            <a:r>
-              <a:rPr lang="en-US" dirty="0"/>
-              <a:t>Cards with 5 x 5 symbols- guess what is coming next.</a:t>
-            </a:r>
-          </a:p>
-          <a:p>
-            <a:endParaRPr lang="en-US" dirty="0"/>
-          </a:p>
-          <a:p>
-            <a:r>
-              <a:rPr lang="en-US" dirty="0"/>
-              <a:t>Concentrate on face of the dice, better than chance of that coming up.</a:t>
-            </a:r>
-          </a:p>
-          <a:p>
-            <a:endParaRPr lang="en-US" dirty="0"/>
-          </a:p>
-          <a:p>
-            <a:r>
-              <a:rPr lang="en-US" dirty="0"/>
-              <a:t>How do we test these experimentally? What</a:t>
-            </a:r>
-          </a:p>
-          <a:p>
-            <a:endParaRPr lang="en-US" dirty="0"/>
-          </a:p>
-          <a:p>
+              <a:t>-content/uploads/2019/03/</a:t>
+            </a:r>
+            <a:r>
+              <a:rPr lang="en-US" dirty="0" err="1"/>
+              <a:t>salzburg_religion_stat.pdf</a:t>
+            </a:r>
             <a:endParaRPr lang="en-US" dirty="0"/>
           </a:p>
         </p:txBody>
@@ -1091,7 +1151,7 @@
     </p:spTree>
     <p:extLst>
       <p:ext uri="{BB962C8B-B14F-4D97-AF65-F5344CB8AC3E}">
-        <p14:creationId xmlns:p14="http://schemas.microsoft.com/office/powerpoint/2010/main" val="2633062611"/>
+        <p14:creationId xmlns:p14="http://schemas.microsoft.com/office/powerpoint/2010/main" val="2026489731"/>
       </p:ext>
     </p:extLst>
   </p:cSld>
@@ -1147,49 +1207,8 @@
           <a:p>
             <a:r>
               <a:rPr lang="en-US" dirty="0"/>
-              <a:t>Talks about drug companies – trials to test drugs much more likely to be positive than independent</a:t>
-            </a:r>
-            <a:r>
-              <a:rPr lang="en-US" baseline="0" dirty="0"/>
-              <a:t> studies. </a:t>
-            </a:r>
-          </a:p>
-          <a:p>
-            <a:endParaRPr lang="en-US" baseline="0" dirty="0"/>
-          </a:p>
-          <a:p>
-            <a:r>
-              <a:rPr lang="en-US" baseline="0" dirty="0"/>
-              <a:t>Can we test this?</a:t>
-            </a:r>
-          </a:p>
-          <a:p>
-            <a:endParaRPr lang="en-US" baseline="0" dirty="0"/>
-          </a:p>
-          <a:p>
-            <a:r>
-              <a:rPr lang="en-US" dirty="0"/>
-              <a:t>https://</a:t>
-            </a:r>
-            <a:r>
-              <a:rPr lang="en-US" dirty="0" err="1"/>
-              <a:t>www.ted.com</a:t>
-            </a:r>
-            <a:r>
-              <a:rPr lang="en-US" dirty="0"/>
-              <a:t>/talks/</a:t>
-            </a:r>
-            <a:r>
-              <a:rPr lang="en-US" dirty="0" err="1"/>
-              <a:t>ben_goldacre_battling_bad_science</a:t>
-            </a:r>
-            <a:r>
-              <a:rPr lang="en-US"/>
-              <a:t>/transcript#t-668972</a:t>
-            </a:r>
-          </a:p>
-          <a:p>
-            <a:endParaRPr lang="en-US" dirty="0"/>
+              <a:t>Published in the 1950s.</a:t>
+            </a:r>
           </a:p>
         </p:txBody>
       </p:sp>
@@ -1211,6 +1230,267 @@
             <a:fld id="{F3C27B94-D26F-8E48-91A6-CC434CAEF4F8}" type="slidenum">
               <a:rPr lang="en-US" smtClean="0"/>
               <a:t>8</a:t>
+            </a:fld>
+            <a:endParaRPr lang="en-US"/>
+          </a:p>
+        </p:txBody>
+      </p:sp>
+    </p:spTree>
+    <p:extLst>
+      <p:ext uri="{BB962C8B-B14F-4D97-AF65-F5344CB8AC3E}">
+        <p14:creationId xmlns:p14="http://schemas.microsoft.com/office/powerpoint/2010/main" val="2807410774"/>
+      </p:ext>
+    </p:extLst>
+  </p:cSld>
+  <p:clrMapOvr>
+    <a:masterClrMapping/>
+  </p:clrMapOvr>
+</p:notes>
+</file>
+
+<file path=ppt/notesSlides/notesSlide8.xml><?xml version="1.0" encoding="utf-8"?>
+<p:notes xmlns:a="http://schemas.openxmlformats.org/drawingml/2006/main" xmlns:r="http://schemas.openxmlformats.org/officeDocument/2006/relationships" xmlns:p="http://schemas.openxmlformats.org/presentationml/2006/main">
+  <p:cSld>
+    <p:spTree>
+      <p:nvGrpSpPr>
+        <p:cNvPr id="1" name=""/>
+        <p:cNvGrpSpPr/>
+        <p:nvPr/>
+      </p:nvGrpSpPr>
+      <p:grpSpPr>
+        <a:xfrm>
+          <a:off x="0" y="0"/>
+          <a:ext cx="0" cy="0"/>
+          <a:chOff x="0" y="0"/>
+          <a:chExt cx="0" cy="0"/>
+        </a:xfrm>
+      </p:grpSpPr>
+      <p:sp>
+        <p:nvSpPr>
+          <p:cNvPr id="2" name="Slide Image Placeholder 1"/>
+          <p:cNvSpPr>
+            <a:spLocks noGrp="1" noRot="1" noChangeAspect="1"/>
+          </p:cNvSpPr>
+          <p:nvPr>
+            <p:ph type="sldImg"/>
+          </p:nvPr>
+        </p:nvSpPr>
+        <p:spPr/>
+      </p:sp>
+      <p:sp>
+        <p:nvSpPr>
+          <p:cNvPr id="3" name="Notes Placeholder 2"/>
+          <p:cNvSpPr>
+            <a:spLocks noGrp="1"/>
+          </p:cNvSpPr>
+          <p:nvPr>
+            <p:ph type="body" idx="1"/>
+          </p:nvPr>
+        </p:nvSpPr>
+        <p:spPr/>
+        <p:txBody>
+          <a:bodyPr/>
+          <a:lstStyle/>
+          <a:p>
+            <a:r>
+              <a:rPr lang="en-US" dirty="0" err="1"/>
+              <a:t>Dr</a:t>
+            </a:r>
+            <a:r>
+              <a:rPr lang="en-US" dirty="0"/>
+              <a:t> Joseph Banks Rhine of Duke University working under Prof William McDougall formerly of Oxford and Harvard.</a:t>
+            </a:r>
+          </a:p>
+          <a:p>
+            <a:endParaRPr lang="en-US" dirty="0"/>
+          </a:p>
+          <a:p>
+            <a:r>
+              <a:rPr lang="en-US" dirty="0"/>
+              <a:t>Published articles and books on Extra Sensory Perception – proven beyond all reasonable doubt by means of several million tests.</a:t>
+            </a:r>
+          </a:p>
+          <a:p>
+            <a:endParaRPr lang="en-US" dirty="0"/>
+          </a:p>
+          <a:p>
+            <a:r>
+              <a:rPr lang="en-US" dirty="0"/>
+              <a:t>Cards with 5 x 5 symbols- guess what is coming next.</a:t>
+            </a:r>
+          </a:p>
+          <a:p>
+            <a:endParaRPr lang="en-US" dirty="0"/>
+          </a:p>
+          <a:p>
+            <a:r>
+              <a:rPr lang="en-US" dirty="0"/>
+              <a:t>Concentrate on face of the dice, better than chance of that coming up.</a:t>
+            </a:r>
+          </a:p>
+          <a:p>
+            <a:endParaRPr lang="en-US" dirty="0"/>
+          </a:p>
+          <a:p>
+            <a:r>
+              <a:rPr lang="en-US" dirty="0"/>
+              <a:t>How do we test these experimentally? What</a:t>
+            </a:r>
+          </a:p>
+          <a:p>
+            <a:endParaRPr lang="en-US" dirty="0"/>
+          </a:p>
+          <a:p>
+            <a:endParaRPr lang="en-US" dirty="0"/>
+          </a:p>
+        </p:txBody>
+      </p:sp>
+      <p:sp>
+        <p:nvSpPr>
+          <p:cNvPr id="4" name="Slide Number Placeholder 3"/>
+          <p:cNvSpPr>
+            <a:spLocks noGrp="1"/>
+          </p:cNvSpPr>
+          <p:nvPr>
+            <p:ph type="sldNum" sz="quarter" idx="10"/>
+          </p:nvPr>
+        </p:nvSpPr>
+        <p:spPr/>
+        <p:txBody>
+          <a:bodyPr/>
+          <a:lstStyle/>
+          <a:p>
+            <a:fld id="{F3C27B94-D26F-8E48-91A6-CC434CAEF4F8}" type="slidenum">
+              <a:rPr lang="en-US" smtClean="0"/>
+              <a:t>9</a:t>
+            </a:fld>
+            <a:endParaRPr lang="en-US"/>
+          </a:p>
+        </p:txBody>
+      </p:sp>
+    </p:spTree>
+    <p:extLst>
+      <p:ext uri="{BB962C8B-B14F-4D97-AF65-F5344CB8AC3E}">
+        <p14:creationId xmlns:p14="http://schemas.microsoft.com/office/powerpoint/2010/main" val="2633062611"/>
+      </p:ext>
+    </p:extLst>
+  </p:cSld>
+  <p:clrMapOvr>
+    <a:masterClrMapping/>
+  </p:clrMapOvr>
+</p:notes>
+</file>
+
+<file path=ppt/notesSlides/notesSlide9.xml><?xml version="1.0" encoding="utf-8"?>
+<p:notes xmlns:a="http://schemas.openxmlformats.org/drawingml/2006/main" xmlns:r="http://schemas.openxmlformats.org/officeDocument/2006/relationships" xmlns:p="http://schemas.openxmlformats.org/presentationml/2006/main">
+  <p:cSld>
+    <p:spTree>
+      <p:nvGrpSpPr>
+        <p:cNvPr id="1" name=""/>
+        <p:cNvGrpSpPr/>
+        <p:nvPr/>
+      </p:nvGrpSpPr>
+      <p:grpSpPr>
+        <a:xfrm>
+          <a:off x="0" y="0"/>
+          <a:ext cx="0" cy="0"/>
+          <a:chOff x="0" y="0"/>
+          <a:chExt cx="0" cy="0"/>
+        </a:xfrm>
+      </p:grpSpPr>
+      <p:sp>
+        <p:nvSpPr>
+          <p:cNvPr id="2" name="Slide Image Placeholder 1"/>
+          <p:cNvSpPr>
+            <a:spLocks noGrp="1" noRot="1" noChangeAspect="1"/>
+          </p:cNvSpPr>
+          <p:nvPr>
+            <p:ph type="sldImg"/>
+          </p:nvPr>
+        </p:nvSpPr>
+        <p:spPr/>
+      </p:sp>
+      <p:sp>
+        <p:nvSpPr>
+          <p:cNvPr id="3" name="Notes Placeholder 2"/>
+          <p:cNvSpPr>
+            <a:spLocks noGrp="1"/>
+          </p:cNvSpPr>
+          <p:nvPr>
+            <p:ph type="body" idx="1"/>
+          </p:nvPr>
+        </p:nvSpPr>
+        <p:spPr/>
+        <p:txBody>
+          <a:bodyPr/>
+          <a:lstStyle/>
+          <a:p>
+            <a:r>
+              <a:rPr lang="en-US" dirty="0"/>
+              <a:t>Talks about drug companies – trials to test drugs much more likely to be positive than independent</a:t>
+            </a:r>
+            <a:r>
+              <a:rPr lang="en-US" baseline="0" dirty="0"/>
+              <a:t> studies. </a:t>
+            </a:r>
+          </a:p>
+          <a:p>
+            <a:endParaRPr lang="en-US" baseline="0" dirty="0"/>
+          </a:p>
+          <a:p>
+            <a:r>
+              <a:rPr lang="en-US" baseline="0" dirty="0"/>
+              <a:t>Can we test this?</a:t>
+            </a:r>
+          </a:p>
+          <a:p>
+            <a:endParaRPr lang="en-US" baseline="0" dirty="0"/>
+          </a:p>
+          <a:p>
+            <a:r>
+              <a:rPr lang="en-US" dirty="0"/>
+              <a:t>https://</a:t>
+            </a:r>
+            <a:r>
+              <a:rPr lang="en-US" dirty="0" err="1"/>
+              <a:t>www.ted.com</a:t>
+            </a:r>
+            <a:r>
+              <a:rPr lang="en-US" dirty="0"/>
+              <a:t>/talks/</a:t>
+            </a:r>
+            <a:r>
+              <a:rPr lang="en-US" dirty="0" err="1"/>
+              <a:t>ben_goldacre_battling_bad_science</a:t>
+            </a:r>
+            <a:r>
+              <a:rPr lang="en-US"/>
+              <a:t>/transcript#t-668972</a:t>
+            </a:r>
+          </a:p>
+          <a:p>
+            <a:endParaRPr lang="en-US" dirty="0"/>
+          </a:p>
+        </p:txBody>
+      </p:sp>
+      <p:sp>
+        <p:nvSpPr>
+          <p:cNvPr id="4" name="Slide Number Placeholder 3"/>
+          <p:cNvSpPr>
+            <a:spLocks noGrp="1"/>
+          </p:cNvSpPr>
+          <p:nvPr>
+            <p:ph type="sldNum" sz="quarter" idx="10"/>
+          </p:nvPr>
+        </p:nvSpPr>
+        <p:spPr/>
+        <p:txBody>
+          <a:bodyPr/>
+          <a:lstStyle/>
+          <a:p>
+            <a:fld id="{F3C27B94-D26F-8E48-91A6-CC434CAEF4F8}" type="slidenum">
+              <a:rPr lang="en-US" smtClean="0"/>
+              <a:t>10</a:t>
             </a:fld>
             <a:endParaRPr lang="en-US"/>
           </a:p>
@@ -1410,7 +1690,7 @@
           <a:p>
             <a:fld id="{6BFECD78-3C8E-49F2-8FAB-59489D168ABB}" type="datetimeFigureOut">
               <a:rPr lang="en-US" smtClean="0"/>
-              <a:t>10/25/19</a:t>
+              <a:t>10/28/19</a:t>
             </a:fld>
             <a:endParaRPr lang="en-US"/>
           </a:p>
@@ -1580,7 +1860,7 @@
           <a:p>
             <a:fld id="{6BFECD78-3C8E-49F2-8FAB-59489D168ABB}" type="datetimeFigureOut">
               <a:rPr lang="en-US" smtClean="0"/>
-              <a:t>10/25/19</a:t>
+              <a:t>10/28/19</a:t>
             </a:fld>
             <a:endParaRPr lang="en-US"/>
           </a:p>
@@ -1760,7 +2040,7 @@
           <a:p>
             <a:fld id="{6BFECD78-3C8E-49F2-8FAB-59489D168ABB}" type="datetimeFigureOut">
               <a:rPr lang="en-US" smtClean="0"/>
-              <a:t>10/25/19</a:t>
+              <a:t>10/28/19</a:t>
             </a:fld>
             <a:endParaRPr lang="en-US"/>
           </a:p>
@@ -1930,7 +2210,7 @@
           <a:p>
             <a:fld id="{6BFECD78-3C8E-49F2-8FAB-59489D168ABB}" type="datetimeFigureOut">
               <a:rPr lang="en-US" smtClean="0"/>
-              <a:t>10/25/19</a:t>
+              <a:t>10/28/19</a:t>
             </a:fld>
             <a:endParaRPr lang="en-US"/>
           </a:p>
@@ -2176,7 +2456,7 @@
           <a:p>
             <a:fld id="{6BFECD78-3C8E-49F2-8FAB-59489D168ABB}" type="datetimeFigureOut">
               <a:rPr lang="en-US" smtClean="0"/>
-              <a:t>10/25/19</a:t>
+              <a:t>10/28/19</a:t>
             </a:fld>
             <a:endParaRPr lang="en-US"/>
           </a:p>
@@ -2464,7 +2744,7 @@
           <a:p>
             <a:fld id="{6BFECD78-3C8E-49F2-8FAB-59489D168ABB}" type="datetimeFigureOut">
               <a:rPr lang="en-US" smtClean="0"/>
-              <a:t>10/25/19</a:t>
+              <a:t>10/28/19</a:t>
             </a:fld>
             <a:endParaRPr lang="en-US"/>
           </a:p>
@@ -2886,7 +3166,7 @@
           <a:p>
             <a:fld id="{6BFECD78-3C8E-49F2-8FAB-59489D168ABB}" type="datetimeFigureOut">
               <a:rPr lang="en-US" smtClean="0"/>
-              <a:t>10/25/19</a:t>
+              <a:t>10/28/19</a:t>
             </a:fld>
             <a:endParaRPr lang="en-US"/>
           </a:p>
@@ -3004,7 +3284,7 @@
           <a:p>
             <a:fld id="{6BFECD78-3C8E-49F2-8FAB-59489D168ABB}" type="datetimeFigureOut">
               <a:rPr lang="en-US" smtClean="0"/>
-              <a:t>10/25/19</a:t>
+              <a:t>10/28/19</a:t>
             </a:fld>
             <a:endParaRPr lang="en-US"/>
           </a:p>
@@ -3099,7 +3379,7 @@
           <a:p>
             <a:fld id="{6BFECD78-3C8E-49F2-8FAB-59489D168ABB}" type="datetimeFigureOut">
               <a:rPr lang="en-US" smtClean="0"/>
-              <a:t>10/25/19</a:t>
+              <a:t>10/28/19</a:t>
             </a:fld>
             <a:endParaRPr lang="en-US"/>
           </a:p>
@@ -3376,7 +3656,7 @@
           <a:p>
             <a:fld id="{6BFECD78-3C8E-49F2-8FAB-59489D168ABB}" type="datetimeFigureOut">
               <a:rPr lang="en-US" smtClean="0"/>
-              <a:t>10/25/19</a:t>
+              <a:t>10/28/19</a:t>
             </a:fld>
             <a:endParaRPr lang="en-US"/>
           </a:p>
@@ -3633,7 +3913,7 @@
           <a:p>
             <a:fld id="{6BFECD78-3C8E-49F2-8FAB-59489D168ABB}" type="datetimeFigureOut">
               <a:rPr lang="en-US" smtClean="0"/>
-              <a:t>10/25/19</a:t>
+              <a:t>10/28/19</a:t>
             </a:fld>
             <a:endParaRPr lang="en-US"/>
           </a:p>
@@ -3846,7 +4126,7 @@
           <a:p>
             <a:fld id="{6BFECD78-3C8E-49F2-8FAB-59489D168ABB}" type="datetimeFigureOut">
               <a:rPr lang="en-US" smtClean="0"/>
-              <a:t>10/25/19</a:t>
+              <a:t>10/28/19</a:t>
             </a:fld>
             <a:endParaRPr lang="en-US"/>
           </a:p>
@@ -4239,11 +4519,11 @@
           <a:blip r:embed="rId2">
             <a:extLst>
               <a:ext uri="{28A0092B-C50C-407E-A947-70E740481C1C}">
-                <a14:useLocalDpi xmlns:a14="http://schemas.microsoft.com/office/drawing/2010/main" val="0"/>
+                <a14:useLocalDpi xmlns:a14="http://schemas.microsoft.com/office/drawing/2010/main"/>
               </a:ext>
             </a:extLst>
           </a:blip>
-          <a:srcRect l="17247" t="34832" r="24378" b="30293"/>
+          <a:srcRect/>
           <a:stretch/>
         </p:blipFill>
         <p:spPr>
@@ -4331,6 +4611,130 @@
     <p:extLst>
       <p:ext uri="{BB962C8B-B14F-4D97-AF65-F5344CB8AC3E}">
         <p14:creationId xmlns:p14="http://schemas.microsoft.com/office/powerpoint/2010/main" val="709689115"/>
+      </p:ext>
+    </p:extLst>
+  </p:cSld>
+  <p:clrMapOvr>
+    <a:masterClrMapping/>
+  </p:clrMapOvr>
+</p:sld>
+</file>
+
+<file path=ppt/slides/slide10.xml><?xml version="1.0" encoding="utf-8"?>
+<p:sld xmlns:a="http://schemas.openxmlformats.org/drawingml/2006/main" xmlns:r="http://schemas.openxmlformats.org/officeDocument/2006/relationships" xmlns:p="http://schemas.openxmlformats.org/presentationml/2006/main">
+  <p:cSld>
+    <p:spTree>
+      <p:nvGrpSpPr>
+        <p:cNvPr id="1" name=""/>
+        <p:cNvGrpSpPr/>
+        <p:nvPr/>
+      </p:nvGrpSpPr>
+      <p:grpSpPr>
+        <a:xfrm>
+          <a:off x="0" y="0"/>
+          <a:ext cx="0" cy="0"/>
+          <a:chOff x="0" y="0"/>
+          <a:chExt cx="0" cy="0"/>
+        </a:xfrm>
+      </p:grpSpPr>
+      <p:pic>
+        <p:nvPicPr>
+          <p:cNvPr id="3074" name="Picture 2" descr="4605017">
+            <a:extLst>
+              <a:ext uri="{FF2B5EF4-FFF2-40B4-BE49-F238E27FC236}">
+                <a16:creationId xmlns:a16="http://schemas.microsoft.com/office/drawing/2014/main" id="{96A7F862-C68C-D145-ADA7-773BD087D74C}"/>
+              </a:ext>
+            </a:extLst>
+          </p:cNvPr>
+          <p:cNvPicPr>
+            <a:picLocks noChangeAspect="1" noChangeArrowheads="1"/>
+          </p:cNvPicPr>
+          <p:nvPr/>
+        </p:nvPicPr>
+        <p:blipFill>
+          <a:blip r:embed="rId3">
+            <a:extLst>
+              <a:ext uri="{28A0092B-C50C-407E-A947-70E740481C1C}">
+                <a14:useLocalDpi xmlns:a14="http://schemas.microsoft.com/office/drawing/2010/main"/>
+              </a:ext>
+            </a:extLst>
+          </a:blip>
+          <a:srcRect/>
+          <a:stretch>
+            <a:fillRect/>
+          </a:stretch>
+        </p:blipFill>
+        <p:spPr bwMode="auto">
+          <a:xfrm>
+            <a:off x="788945" y="851930"/>
+            <a:ext cx="3340100" cy="5080000"/>
+          </a:xfrm>
+          <a:prstGeom prst="rect">
+            <a:avLst/>
+          </a:prstGeom>
+          <a:noFill/>
+          <a:extLst>
+            <a:ext uri="{909E8E84-426E-40dd-AFC4-6F175D3DCCD1}">
+              <a14:hiddenFill xmlns="" xmlns:a14="http://schemas.microsoft.com/office/drawing/2010/main">
+                <a:solidFill>
+                  <a:srgbClr val="FFFFFF"/>
+                </a:solidFill>
+              </a14:hiddenFill>
+            </a:ext>
+          </a:extLst>
+        </p:spPr>
+      </p:pic>
+      <p:pic>
+        <p:nvPicPr>
+          <p:cNvPr id="3076" name="Picture 4" descr="16102686">
+            <a:extLst>
+              <a:ext uri="{FF2B5EF4-FFF2-40B4-BE49-F238E27FC236}">
+                <a16:creationId xmlns:a16="http://schemas.microsoft.com/office/drawing/2014/main" id="{DD7B4FD8-CFA3-E24C-9C13-1FF3A6128D92}"/>
+              </a:ext>
+            </a:extLst>
+          </p:cNvPr>
+          <p:cNvPicPr>
+            <a:picLocks noChangeAspect="1" noChangeArrowheads="1"/>
+          </p:cNvPicPr>
+          <p:nvPr/>
+        </p:nvPicPr>
+        <p:blipFill>
+          <a:blip r:embed="rId4">
+            <a:extLst>
+              <a:ext uri="{28A0092B-C50C-407E-A947-70E740481C1C}">
+                <a14:useLocalDpi xmlns:a14="http://schemas.microsoft.com/office/drawing/2010/main"/>
+              </a:ext>
+            </a:extLst>
+          </a:blip>
+          <a:srcRect/>
+          <a:stretch>
+            <a:fillRect/>
+          </a:stretch>
+        </p:blipFill>
+        <p:spPr bwMode="auto">
+          <a:xfrm>
+            <a:off x="4916958" y="851929"/>
+            <a:ext cx="3152003" cy="5040365"/>
+          </a:xfrm>
+          <a:prstGeom prst="rect">
+            <a:avLst/>
+          </a:prstGeom>
+          <a:noFill/>
+          <a:extLst>
+            <a:ext uri="{909E8E84-426E-40dd-AFC4-6F175D3DCCD1}">
+              <a14:hiddenFill xmlns="" xmlns:a14="http://schemas.microsoft.com/office/drawing/2010/main">
+                <a:solidFill>
+                  <a:srgbClr val="FFFFFF"/>
+                </a:solidFill>
+              </a14:hiddenFill>
+            </a:ext>
+          </a:extLst>
+        </p:spPr>
+      </p:pic>
+    </p:spTree>
+    <p:extLst>
+      <p:ext uri="{BB962C8B-B14F-4D97-AF65-F5344CB8AC3E}">
+        <p14:creationId xmlns:p14="http://schemas.microsoft.com/office/powerpoint/2010/main" val="4016971519"/>
       </p:ext>
     </p:extLst>
   </p:cSld>
@@ -4369,7 +4773,7 @@
           <a:blip r:embed="rId3">
             <a:extLst>
               <a:ext uri="{28A0092B-C50C-407E-A947-70E740481C1C}">
-                <a14:useLocalDpi xmlns:a14="http://schemas.microsoft.com/office/drawing/2010/main" val="0"/>
+                <a14:useLocalDpi xmlns:a14="http://schemas.microsoft.com/office/drawing/2010/main"/>
               </a:ext>
             </a:extLst>
           </a:blip>
@@ -4507,7 +4911,7 @@
           <a:blip r:embed="rId3">
             <a:extLst>
               <a:ext uri="{28A0092B-C50C-407E-A947-70E740481C1C}">
-                <a14:useLocalDpi xmlns:a14="http://schemas.microsoft.com/office/drawing/2010/main" val="0"/>
+                <a14:useLocalDpi xmlns:a14="http://schemas.microsoft.com/office/drawing/2010/main"/>
               </a:ext>
             </a:extLst>
           </a:blip>
@@ -4651,6 +5055,291 @@
 </file>
 
 <file path=ppt/slides/slide6.xml><?xml version="1.0" encoding="utf-8"?>
+<p:sld xmlns:a="http://schemas.openxmlformats.org/drawingml/2006/main" xmlns:r="http://schemas.openxmlformats.org/officeDocument/2006/relationships" xmlns:p="http://schemas.openxmlformats.org/presentationml/2006/main">
+  <p:cSld>
+    <p:spTree>
+      <p:nvGrpSpPr>
+        <p:cNvPr id="1" name=""/>
+        <p:cNvGrpSpPr/>
+        <p:nvPr/>
+      </p:nvGrpSpPr>
+      <p:grpSpPr>
+        <a:xfrm>
+          <a:off x="0" y="0"/>
+          <a:ext cx="0" cy="0"/>
+          <a:chOff x="0" y="0"/>
+          <a:chExt cx="0" cy="0"/>
+        </a:xfrm>
+      </p:grpSpPr>
+      <p:sp>
+        <p:nvSpPr>
+          <p:cNvPr id="2" name="TextBox 1"/>
+          <p:cNvSpPr txBox="1"/>
+          <p:nvPr/>
+        </p:nvSpPr>
+        <p:spPr>
+          <a:xfrm>
+            <a:off x="6708228" y="5693087"/>
+            <a:ext cx="2727434" cy="707886"/>
+          </a:xfrm>
+          <a:prstGeom prst="rect">
+            <a:avLst/>
+          </a:prstGeom>
+          <a:noFill/>
+        </p:spPr>
+        <p:txBody>
+          <a:bodyPr wrap="square" rtlCol="0">
+            <a:spAutoFit/>
+          </a:bodyPr>
+          <a:lstStyle/>
+          <a:p>
+            <a:pPr algn="ctr"/>
+            <a:r>
+              <a:rPr lang="en-US" sz="4000" dirty="0">
+                <a:solidFill>
+                  <a:srgbClr val="FFFFFF"/>
+                </a:solidFill>
+                <a:hlinkClick r:id="rId3"/>
+              </a:rPr>
+              <a:t>Link</a:t>
+            </a:r>
+            <a:endParaRPr lang="en-US" sz="4000" dirty="0">
+              <a:solidFill>
+                <a:srgbClr val="FFFFFF"/>
+              </a:solidFill>
+            </a:endParaRPr>
+          </a:p>
+        </p:txBody>
+      </p:sp>
+      <p:pic>
+        <p:nvPicPr>
+          <p:cNvPr id="4" name="Picture 3">
+            <a:extLst>
+              <a:ext uri="{FF2B5EF4-FFF2-40B4-BE49-F238E27FC236}">
+                <a16:creationId xmlns:a16="http://schemas.microsoft.com/office/drawing/2014/main" id="{0AE24EDE-3EFF-6943-B35B-1481830AC61A}"/>
+              </a:ext>
+            </a:extLst>
+          </p:cNvPr>
+          <p:cNvPicPr>
+            <a:picLocks noChangeAspect="1"/>
+          </p:cNvPicPr>
+          <p:nvPr/>
+        </p:nvPicPr>
+        <p:blipFill>
+          <a:blip r:embed="rId4">
+            <a:extLst>
+              <a:ext uri="{28A0092B-C50C-407E-A947-70E740481C1C}">
+                <a14:useLocalDpi xmlns:a14="http://schemas.microsoft.com/office/drawing/2010/main"/>
+              </a:ext>
+            </a:extLst>
+          </a:blip>
+          <a:stretch>
+            <a:fillRect/>
+          </a:stretch>
+        </p:blipFill>
+        <p:spPr>
+          <a:xfrm>
+            <a:off x="8449" y="0"/>
+            <a:ext cx="6565900" cy="6858000"/>
+          </a:xfrm>
+          <a:prstGeom prst="rect">
+            <a:avLst/>
+          </a:prstGeom>
+        </p:spPr>
+      </p:pic>
+    </p:spTree>
+    <p:extLst>
+      <p:ext uri="{BB962C8B-B14F-4D97-AF65-F5344CB8AC3E}">
+        <p14:creationId xmlns:p14="http://schemas.microsoft.com/office/powerpoint/2010/main" val="1169890987"/>
+      </p:ext>
+    </p:extLst>
+  </p:cSld>
+  <p:clrMapOvr>
+    <a:masterClrMapping/>
+  </p:clrMapOvr>
+</p:sld>
+</file>
+
+<file path=ppt/slides/slide7.xml><?xml version="1.0" encoding="utf-8"?>
+<p:sld xmlns:a="http://schemas.openxmlformats.org/drawingml/2006/main" xmlns:r="http://schemas.openxmlformats.org/officeDocument/2006/relationships" xmlns:p="http://schemas.openxmlformats.org/presentationml/2006/main">
+  <p:cSld>
+    <p:spTree>
+      <p:nvGrpSpPr>
+        <p:cNvPr id="1" name=""/>
+        <p:cNvGrpSpPr/>
+        <p:nvPr/>
+      </p:nvGrpSpPr>
+      <p:grpSpPr>
+        <a:xfrm>
+          <a:off x="0" y="0"/>
+          <a:ext cx="0" cy="0"/>
+          <a:chOff x="0" y="0"/>
+          <a:chExt cx="0" cy="0"/>
+        </a:xfrm>
+      </p:grpSpPr>
+      <p:sp>
+        <p:nvSpPr>
+          <p:cNvPr id="2" name="TextBox 1"/>
+          <p:cNvSpPr txBox="1"/>
+          <p:nvPr/>
+        </p:nvSpPr>
+        <p:spPr>
+          <a:xfrm>
+            <a:off x="6708228" y="5693087"/>
+            <a:ext cx="2727434" cy="707886"/>
+          </a:xfrm>
+          <a:prstGeom prst="rect">
+            <a:avLst/>
+          </a:prstGeom>
+          <a:noFill/>
+        </p:spPr>
+        <p:txBody>
+          <a:bodyPr wrap="square" rtlCol="0">
+            <a:spAutoFit/>
+          </a:bodyPr>
+          <a:lstStyle/>
+          <a:p>
+            <a:pPr algn="ctr"/>
+            <a:r>
+              <a:rPr lang="en-US" sz="4000" dirty="0">
+                <a:solidFill>
+                  <a:srgbClr val="FFFFFF"/>
+                </a:solidFill>
+                <a:hlinkClick r:id="rId3"/>
+              </a:rPr>
+              <a:t>Link</a:t>
+            </a:r>
+            <a:endParaRPr lang="en-US" sz="4000" dirty="0">
+              <a:solidFill>
+                <a:srgbClr val="FFFFFF"/>
+              </a:solidFill>
+            </a:endParaRPr>
+          </a:p>
+        </p:txBody>
+      </p:sp>
+      <p:pic>
+        <p:nvPicPr>
+          <p:cNvPr id="5" name="Picture 4">
+            <a:extLst>
+              <a:ext uri="{FF2B5EF4-FFF2-40B4-BE49-F238E27FC236}">
+                <a16:creationId xmlns:a16="http://schemas.microsoft.com/office/drawing/2014/main" id="{E4C4DEE6-9DF1-B449-8B42-107493EE6690}"/>
+              </a:ext>
+            </a:extLst>
+          </p:cNvPr>
+          <p:cNvPicPr>
+            <a:picLocks noChangeAspect="1"/>
+          </p:cNvPicPr>
+          <p:nvPr/>
+        </p:nvPicPr>
+        <p:blipFill>
+          <a:blip r:embed="rId4">
+            <a:extLst>
+              <a:ext uri="{28A0092B-C50C-407E-A947-70E740481C1C}">
+                <a14:useLocalDpi xmlns:a14="http://schemas.microsoft.com/office/drawing/2010/main"/>
+              </a:ext>
+            </a:extLst>
+          </a:blip>
+          <a:stretch>
+            <a:fillRect/>
+          </a:stretch>
+        </p:blipFill>
+        <p:spPr>
+          <a:xfrm>
+            <a:off x="0" y="0"/>
+            <a:ext cx="9144000" cy="1312536"/>
+          </a:xfrm>
+          <a:prstGeom prst="rect">
+            <a:avLst/>
+          </a:prstGeom>
+        </p:spPr>
+      </p:pic>
+      <p:pic>
+        <p:nvPicPr>
+          <p:cNvPr id="7" name="Picture 6">
+            <a:extLst>
+              <a:ext uri="{FF2B5EF4-FFF2-40B4-BE49-F238E27FC236}">
+                <a16:creationId xmlns:a16="http://schemas.microsoft.com/office/drawing/2014/main" id="{50FD768A-3937-BF41-92E5-3742AE37B8AB}"/>
+              </a:ext>
+            </a:extLst>
+          </p:cNvPr>
+          <p:cNvPicPr>
+            <a:picLocks noChangeAspect="1"/>
+          </p:cNvPicPr>
+          <p:nvPr/>
+        </p:nvPicPr>
+        <p:blipFill>
+          <a:blip r:embed="rId5">
+            <a:extLst>
+              <a:ext uri="{28A0092B-C50C-407E-A947-70E740481C1C}">
+                <a14:useLocalDpi xmlns:a14="http://schemas.microsoft.com/office/drawing/2010/main"/>
+              </a:ext>
+            </a:extLst>
+          </a:blip>
+          <a:stretch>
+            <a:fillRect/>
+          </a:stretch>
+        </p:blipFill>
+        <p:spPr>
+          <a:xfrm>
+            <a:off x="0" y="1312536"/>
+            <a:ext cx="9144000" cy="678834"/>
+          </a:xfrm>
+          <a:prstGeom prst="rect">
+            <a:avLst/>
+          </a:prstGeom>
+        </p:spPr>
+      </p:pic>
+      <p:sp>
+        <p:nvSpPr>
+          <p:cNvPr id="8" name="Rectangle 7">
+            <a:extLst>
+              <a:ext uri="{FF2B5EF4-FFF2-40B4-BE49-F238E27FC236}">
+                <a16:creationId xmlns:a16="http://schemas.microsoft.com/office/drawing/2014/main" id="{F09E3582-9084-D84A-A1DB-1531870F634A}"/>
+              </a:ext>
+            </a:extLst>
+          </p:cNvPr>
+          <p:cNvSpPr/>
+          <p:nvPr/>
+        </p:nvSpPr>
+        <p:spPr>
+          <a:xfrm>
+            <a:off x="969579" y="2529309"/>
+            <a:ext cx="4572000" cy="2862322"/>
+          </a:xfrm>
+          <a:prstGeom prst="rect">
+            <a:avLst/>
+          </a:prstGeom>
+        </p:spPr>
+        <p:txBody>
+          <a:bodyPr>
+            <a:spAutoFit/>
+          </a:bodyPr>
+          <a:lstStyle/>
+          <a:p>
+            <a:r>
+              <a:rPr lang="en-GB" dirty="0">
+                <a:latin typeface="Arial" panose="020B0604020202020204" pitchFamily="34" charset="0"/>
+              </a:rPr>
+              <a:t>After 17 years of interacting with physicians, I have come to realize that many of them are adherents of a religion they call Statistics. It bears some resemblance to the mathematical theories and practices of statistics as described in journals like this one, using many of the same words, but it reflects activity in only a small portion of the statistical world-the use of hypothesis tests.</a:t>
+            </a:r>
+            <a:endParaRPr lang="en-GB" dirty="0"/>
+          </a:p>
+        </p:txBody>
+      </p:sp>
+    </p:spTree>
+    <p:extLst>
+      <p:ext uri="{BB962C8B-B14F-4D97-AF65-F5344CB8AC3E}">
+        <p14:creationId xmlns:p14="http://schemas.microsoft.com/office/powerpoint/2010/main" val="4223451791"/>
+      </p:ext>
+    </p:extLst>
+  </p:cSld>
+  <p:clrMapOvr>
+    <a:masterClrMapping/>
+  </p:clrMapOvr>
+</p:sld>
+</file>
+
+<file path=ppt/slides/slide8.xml><?xml version="1.0" encoding="utf-8"?>
 <p:sld xmlns:a="http://schemas.openxmlformats.org/drawingml/2006/main" xmlns:r="http://schemas.openxmlformats.org/officeDocument/2006/relationships" xmlns:p="http://schemas.openxmlformats.org/presentationml/2006/main">
   <p:cSld>
     <p:spTree>
@@ -4685,7 +5374,7 @@
           <a:blip r:embed="rId3">
             <a:extLst>
               <a:ext uri="{28A0092B-C50C-407E-A947-70E740481C1C}">
-                <a14:useLocalDpi xmlns:a14="http://schemas.microsoft.com/office/drawing/2010/main" val="0"/>
+                <a14:useLocalDpi xmlns:a14="http://schemas.microsoft.com/office/drawing/2010/main"/>
               </a:ext>
             </a:extLst>
           </a:blip>
@@ -4727,7 +5416,7 @@
 </p:sld>
 </file>
 
-<file path=ppt/slides/slide7.xml><?xml version="1.0" encoding="utf-8"?>
+<file path=ppt/slides/slide9.xml><?xml version="1.0" encoding="utf-8"?>
 <p:sld xmlns:a="http://schemas.openxmlformats.org/drawingml/2006/main" xmlns:r="http://schemas.openxmlformats.org/officeDocument/2006/relationships" xmlns:p="http://schemas.openxmlformats.org/presentationml/2006/main">
   <p:cSld>
     <p:spTree>
@@ -4762,7 +5451,7 @@
           <a:blip r:embed="rId3">
             <a:extLst>
               <a:ext uri="{28A0092B-C50C-407E-A947-70E740481C1C}">
-                <a14:useLocalDpi xmlns:a14="http://schemas.microsoft.com/office/drawing/2010/main" val="0"/>
+                <a14:useLocalDpi xmlns:a14="http://schemas.microsoft.com/office/drawing/2010/main"/>
               </a:ext>
             </a:extLst>
           </a:blip>
@@ -4809,7 +5498,7 @@
           <a:blip r:embed="rId4">
             <a:extLst>
               <a:ext uri="{28A0092B-C50C-407E-A947-70E740481C1C}">
-                <a14:useLocalDpi xmlns:a14="http://schemas.microsoft.com/office/drawing/2010/main" val="0"/>
+                <a14:useLocalDpi xmlns:a14="http://schemas.microsoft.com/office/drawing/2010/main"/>
               </a:ext>
             </a:extLst>
           </a:blip>
@@ -4856,7 +5545,7 @@
           <a:blip r:embed="rId5">
             <a:extLst>
               <a:ext uri="{28A0092B-C50C-407E-A947-70E740481C1C}">
-                <a14:useLocalDpi xmlns:a14="http://schemas.microsoft.com/office/drawing/2010/main" val="0"/>
+                <a14:useLocalDpi xmlns:a14="http://schemas.microsoft.com/office/drawing/2010/main"/>
               </a:ext>
             </a:extLst>
           </a:blip>
@@ -4903,7 +5592,7 @@
           <a:blip r:embed="rId6">
             <a:extLst>
               <a:ext uri="{28A0092B-C50C-407E-A947-70E740481C1C}">
-                <a14:useLocalDpi xmlns:a14="http://schemas.microsoft.com/office/drawing/2010/main" val="0"/>
+                <a14:useLocalDpi xmlns:a14="http://schemas.microsoft.com/office/drawing/2010/main"/>
               </a:ext>
             </a:extLst>
           </a:blip>
@@ -4950,7 +5639,7 @@
           <a:blip r:embed="rId7">
             <a:extLst>
               <a:ext uri="{28A0092B-C50C-407E-A947-70E740481C1C}">
-                <a14:useLocalDpi xmlns:a14="http://schemas.microsoft.com/office/drawing/2010/main" val="0"/>
+                <a14:useLocalDpi xmlns:a14="http://schemas.microsoft.com/office/drawing/2010/main"/>
               </a:ext>
             </a:extLst>
           </a:blip>
@@ -4983,130 +5672,6 @@
     <p:extLst>
       <p:ext uri="{BB962C8B-B14F-4D97-AF65-F5344CB8AC3E}">
         <p14:creationId xmlns:p14="http://schemas.microsoft.com/office/powerpoint/2010/main" val="1997918784"/>
-      </p:ext>
-    </p:extLst>
-  </p:cSld>
-  <p:clrMapOvr>
-    <a:masterClrMapping/>
-  </p:clrMapOvr>
-</p:sld>
-</file>
-
-<file path=ppt/slides/slide8.xml><?xml version="1.0" encoding="utf-8"?>
-<p:sld xmlns:a="http://schemas.openxmlformats.org/drawingml/2006/main" xmlns:r="http://schemas.openxmlformats.org/officeDocument/2006/relationships" xmlns:p="http://schemas.openxmlformats.org/presentationml/2006/main">
-  <p:cSld>
-    <p:spTree>
-      <p:nvGrpSpPr>
-        <p:cNvPr id="1" name=""/>
-        <p:cNvGrpSpPr/>
-        <p:nvPr/>
-      </p:nvGrpSpPr>
-      <p:grpSpPr>
-        <a:xfrm>
-          <a:off x="0" y="0"/>
-          <a:ext cx="0" cy="0"/>
-          <a:chOff x="0" y="0"/>
-          <a:chExt cx="0" cy="0"/>
-        </a:xfrm>
-      </p:grpSpPr>
-      <p:pic>
-        <p:nvPicPr>
-          <p:cNvPr id="3074" name="Picture 2" descr="4605017">
-            <a:extLst>
-              <a:ext uri="{FF2B5EF4-FFF2-40B4-BE49-F238E27FC236}">
-                <a16:creationId xmlns:a16="http://schemas.microsoft.com/office/drawing/2014/main" id="{96A7F862-C68C-D145-ADA7-773BD087D74C}"/>
-              </a:ext>
-            </a:extLst>
-          </p:cNvPr>
-          <p:cNvPicPr>
-            <a:picLocks noChangeAspect="1" noChangeArrowheads="1"/>
-          </p:cNvPicPr>
-          <p:nvPr/>
-        </p:nvPicPr>
-        <p:blipFill>
-          <a:blip r:embed="rId3">
-            <a:extLst>
-              <a:ext uri="{28A0092B-C50C-407E-A947-70E740481C1C}">
-                <a14:useLocalDpi xmlns:a14="http://schemas.microsoft.com/office/drawing/2010/main" val="0"/>
-              </a:ext>
-            </a:extLst>
-          </a:blip>
-          <a:srcRect/>
-          <a:stretch>
-            <a:fillRect/>
-          </a:stretch>
-        </p:blipFill>
-        <p:spPr bwMode="auto">
-          <a:xfrm>
-            <a:off x="788945" y="851930"/>
-            <a:ext cx="3340100" cy="5080000"/>
-          </a:xfrm>
-          <a:prstGeom prst="rect">
-            <a:avLst/>
-          </a:prstGeom>
-          <a:noFill/>
-          <a:extLst>
-            <a:ext uri="{909E8E84-426E-40dd-AFC4-6F175D3DCCD1}">
-              <a14:hiddenFill xmlns="" xmlns:a14="http://schemas.microsoft.com/office/drawing/2010/main">
-                <a:solidFill>
-                  <a:srgbClr val="FFFFFF"/>
-                </a:solidFill>
-              </a14:hiddenFill>
-            </a:ext>
-          </a:extLst>
-        </p:spPr>
-      </p:pic>
-      <p:pic>
-        <p:nvPicPr>
-          <p:cNvPr id="3076" name="Picture 4" descr="16102686">
-            <a:extLst>
-              <a:ext uri="{FF2B5EF4-FFF2-40B4-BE49-F238E27FC236}">
-                <a16:creationId xmlns:a16="http://schemas.microsoft.com/office/drawing/2014/main" id="{DD7B4FD8-CFA3-E24C-9C13-1FF3A6128D92}"/>
-              </a:ext>
-            </a:extLst>
-          </p:cNvPr>
-          <p:cNvPicPr>
-            <a:picLocks noChangeAspect="1" noChangeArrowheads="1"/>
-          </p:cNvPicPr>
-          <p:nvPr/>
-        </p:nvPicPr>
-        <p:blipFill>
-          <a:blip r:embed="rId4">
-            <a:extLst>
-              <a:ext uri="{28A0092B-C50C-407E-A947-70E740481C1C}">
-                <a14:useLocalDpi xmlns:a14="http://schemas.microsoft.com/office/drawing/2010/main" val="0"/>
-              </a:ext>
-            </a:extLst>
-          </a:blip>
-          <a:srcRect/>
-          <a:stretch>
-            <a:fillRect/>
-          </a:stretch>
-        </p:blipFill>
-        <p:spPr bwMode="auto">
-          <a:xfrm>
-            <a:off x="4916958" y="851929"/>
-            <a:ext cx="3152003" cy="5040365"/>
-          </a:xfrm>
-          <a:prstGeom prst="rect">
-            <a:avLst/>
-          </a:prstGeom>
-          <a:noFill/>
-          <a:extLst>
-            <a:ext uri="{909E8E84-426E-40dd-AFC4-6F175D3DCCD1}">
-              <a14:hiddenFill xmlns="" xmlns:a14="http://schemas.microsoft.com/office/drawing/2010/main">
-                <a:solidFill>
-                  <a:srgbClr val="FFFFFF"/>
-                </a:solidFill>
-              </a14:hiddenFill>
-            </a:ext>
-          </a:extLst>
-        </p:spPr>
-      </p:pic>
-    </p:spTree>
-    <p:extLst>
-      <p:ext uri="{BB962C8B-B14F-4D97-AF65-F5344CB8AC3E}">
-        <p14:creationId xmlns:p14="http://schemas.microsoft.com/office/powerpoint/2010/main" val="4016971519"/>
       </p:ext>
     </p:extLst>
   </p:cSld>
